--- a/Presentation Slides/Project Real Estate Final.pptx
+++ b/Presentation Slides/Project Real Estate Final.pptx
@@ -133,8 +133,8 @@
 <file path=ppt/revisionInfo.xml><?xml version="1.0" encoding="utf-8"?>
 <p1510:revInfo xmlns:a="http://schemas.openxmlformats.org/drawingml/2006/main" xmlns:r="http://schemas.openxmlformats.org/officeDocument/2006/relationships" xmlns:p1510="http://schemas.microsoft.com/office/powerpoint/2015/10/main">
   <p1510:revLst>
-    <p1510:client id="{42360B2A-E5D4-C682-7089-7519CBDCF5B5}" v="42" dt="2022-05-12T20:19:08.840"/>
-    <p1510:client id="{89296D0C-946B-A504-9731-62245F25E150}" v="21" dt="2022-05-12T20:08:49.206"/>
+    <p1510:client id="{42360B2A-E5D4-C682-7089-7519CBDCF5B5}" v="373" dt="2022-05-13T08:36:42.612"/>
+    <p1510:client id="{89296D0C-946B-A504-9731-62245F25E150}" v="31" dt="2022-05-13T07:19:07.633"/>
     <p1510:client id="{DCA8996C-B31D-418E-B372-7CBBC3275194}" v="2620" dt="2022-05-12T15:44:47.392"/>
   </p1510:revLst>
 </p1510:revInfo>
@@ -234,7 +234,7 @@
           <a:p>
             <a:fld id="{0922A0DD-9D25-4E63-A187-2DD30194DBFD}" type="datetime1">
               <a:rPr lang="en-GB" smtClean="0"/>
-              <a:t>12/05/2022</a:t>
+              <a:t>13/05/2022</a:t>
             </a:fld>
             <a:endParaRPr lang="en-GB"/>
           </a:p>
@@ -413,9 +413,9 @@
             <a:fld id="{520D70F6-D675-4BF2-9C80-0A6E714C3280}" type="datetime1">
               <a:rPr lang="en-GB" smtClean="0"/>
               <a:pPr/>
-              <a:t>12/05/2022</a:t>
+              <a:t>13/05/2022</a:t>
             </a:fld>
-            <a:endParaRPr lang="en-GB" dirty="0"/>
+            <a:endParaRPr lang="en-GB"/>
           </a:p>
         </p:txBody>
       </p:sp>
@@ -816,7 +816,6 @@
               <a:rPr lang="en-US"/>
               <a:t>Click to edit Master title style</a:t>
             </a:r>
-            <a:endParaRPr lang="en-US" dirty="0"/>
           </a:p>
         </p:txBody>
       </p:sp>
@@ -889,7 +888,6 @@
               <a:rPr lang="en-US"/>
               <a:t>Click to edit Master subtitle style</a:t>
             </a:r>
-            <a:endParaRPr lang="en-US" dirty="0"/>
           </a:p>
         </p:txBody>
       </p:sp>
@@ -928,9 +926,9 @@
             <a:fld id="{11A6662E-FAF4-44BC-88B5-85A7CBFB6D30}" type="datetime1">
               <a:rPr lang="en-US" smtClean="0"/>
               <a:pPr/>
-              <a:t>5/12/2022</a:t>
+              <a:t>5/13/2022</a:t>
             </a:fld>
-            <a:endParaRPr lang="en-US" dirty="0"/>
+            <a:endParaRPr lang="en-US"/>
           </a:p>
         </p:txBody>
       </p:sp>
@@ -1155,7 +1153,7 @@
           <a:p>
             <a:fld id="{4C559632-1575-4E14-B53B-3DC3D5ED3947}" type="datetime1">
               <a:rPr lang="en-US" smtClean="0"/>
-              <a:t>5/12/2022</a:t>
+              <a:t>5/13/2022</a:t>
             </a:fld>
             <a:endParaRPr lang="en-US"/>
           </a:p>
@@ -1363,7 +1361,7 @@
           <a:p>
             <a:fld id="{CC4A6868-2568-4CC9-B302-F37117B01A6E}" type="datetime1">
               <a:rPr lang="en-US" smtClean="0"/>
-              <a:t>5/12/2022</a:t>
+              <a:t>5/13/2022</a:t>
             </a:fld>
             <a:endParaRPr lang="en-US"/>
           </a:p>
@@ -1483,7 +1481,6 @@
               <a:rPr lang="en-US"/>
               <a:t>Click to edit Master title style</a:t>
             </a:r>
-            <a:endParaRPr lang="en-US" dirty="0"/>
           </a:p>
         </p:txBody>
       </p:sp>
@@ -1541,7 +1538,6 @@
               <a:rPr lang="en-US"/>
               <a:t>Fifth level</a:t>
             </a:r>
-            <a:endParaRPr lang="en-US" dirty="0"/>
           </a:p>
         </p:txBody>
       </p:sp>
@@ -1568,9 +1564,9 @@
           <a:p>
             <a:fld id="{0055F08A-1E71-4B2B-BB49-E743F2903911}" type="datetime1">
               <a:rPr lang="en-US" smtClean="0"/>
-              <a:t>5/12/2022</a:t>
+              <a:t>5/13/2022</a:t>
             </a:fld>
-            <a:endParaRPr lang="en-US" dirty="0"/>
+            <a:endParaRPr lang="en-US"/>
           </a:p>
         </p:txBody>
       </p:sp>
@@ -1692,7 +1688,6 @@
               <a:rPr lang="en-US"/>
               <a:t>Click to edit Master title style</a:t>
             </a:r>
-            <a:endParaRPr lang="en-US" dirty="0"/>
           </a:p>
         </p:txBody>
       </p:sp>
@@ -1842,7 +1837,7 @@
           <a:p>
             <a:fld id="{15417D9E-721A-44BB-8863-9873FE64DA75}" type="datetime1">
               <a:rPr lang="en-US" smtClean="0"/>
-              <a:t>5/12/2022</a:t>
+              <a:t>5/13/2022</a:t>
             </a:fld>
             <a:endParaRPr lang="en-US"/>
           </a:p>
@@ -1962,7 +1957,6 @@
               <a:rPr lang="en-US"/>
               <a:t>Click to edit Master title style</a:t>
             </a:r>
-            <a:endParaRPr lang="en-US" dirty="0"/>
           </a:p>
         </p:txBody>
       </p:sp>
@@ -2025,7 +2019,6 @@
               <a:rPr lang="en-US"/>
               <a:t>Fifth level</a:t>
             </a:r>
-            <a:endParaRPr lang="en-US" dirty="0"/>
           </a:p>
         </p:txBody>
       </p:sp>
@@ -2088,7 +2081,6 @@
               <a:rPr lang="en-US"/>
               <a:t>Fifth level</a:t>
             </a:r>
-            <a:endParaRPr lang="en-US" dirty="0"/>
           </a:p>
         </p:txBody>
       </p:sp>
@@ -2115,7 +2107,7 @@
           <a:p>
             <a:fld id="{5F31DA2F-80B8-49CF-99FB-5ABCA53A607A}" type="datetime1">
               <a:rPr lang="en-US" smtClean="0"/>
-              <a:t>5/12/2022</a:t>
+              <a:t>5/13/2022</a:t>
             </a:fld>
             <a:endParaRPr lang="en-US"/>
           </a:p>
@@ -2235,7 +2227,6 @@
               <a:rPr lang="en-US"/>
               <a:t>Click to edit Master title style</a:t>
             </a:r>
-            <a:endParaRPr lang="en-US" dirty="0"/>
           </a:p>
         </p:txBody>
       </p:sp>
@@ -2369,7 +2360,6 @@
               <a:rPr lang="en-US"/>
               <a:t>Fifth level</a:t>
             </a:r>
-            <a:endParaRPr lang="en-US" dirty="0"/>
           </a:p>
         </p:txBody>
       </p:sp>
@@ -2503,7 +2493,6 @@
               <a:rPr lang="en-US"/>
               <a:t>Fifth level</a:t>
             </a:r>
-            <a:endParaRPr lang="en-US" dirty="0"/>
           </a:p>
         </p:txBody>
       </p:sp>
@@ -2530,7 +2519,7 @@
           <a:p>
             <a:fld id="{28852172-E6C9-4B6C-929A-A9DE3837BBF1}" type="datetime1">
               <a:rPr lang="en-US" smtClean="0"/>
-              <a:t>5/12/2022</a:t>
+              <a:t>5/13/2022</a:t>
             </a:fld>
             <a:endParaRPr lang="en-US"/>
           </a:p>
@@ -2650,7 +2639,6 @@
               <a:rPr lang="en-US"/>
               <a:t>Click to edit Master title style</a:t>
             </a:r>
-            <a:endParaRPr lang="en-US" dirty="0"/>
           </a:p>
         </p:txBody>
       </p:sp>
@@ -2682,7 +2670,7 @@
           <a:p>
             <a:fld id="{3AB41CFF-90C9-47B3-9DA1-F2BF8D839F7E}" type="datetime1">
               <a:rPr lang="en-US" smtClean="0"/>
-              <a:t>5/12/2022</a:t>
+              <a:t>5/13/2022</a:t>
             </a:fld>
             <a:endParaRPr lang="en-US"/>
           </a:p>
@@ -2795,7 +2783,7 @@
           <a:p>
             <a:fld id="{F06048FA-06AB-4884-A69B-986B96E68A24}" type="datetime1">
               <a:rPr lang="en-US" smtClean="0"/>
-              <a:t>5/12/2022</a:t>
+              <a:t>5/13/2022</a:t>
             </a:fld>
             <a:endParaRPr lang="en-US"/>
           </a:p>
@@ -3106,7 +3094,7 @@
           <a:p>
             <a:fld id="{50DB7ABA-0172-4F9C-889D-567164F66BCD}" type="datetime1">
               <a:rPr lang="en-US" smtClean="0"/>
-              <a:t>5/12/2022</a:t>
+              <a:t>5/13/2022</a:t>
             </a:fld>
             <a:endParaRPr lang="en-US"/>
           </a:p>
@@ -3397,7 +3385,7 @@
           <a:p>
             <a:fld id="{78AC6A5B-8AE7-4A41-B5A7-9ADC6686DC18}" type="datetime1">
               <a:rPr lang="en-US" smtClean="0"/>
-              <a:t>5/12/2022</a:t>
+              <a:t>5/13/2022</a:t>
             </a:fld>
             <a:endParaRPr lang="en-US"/>
           </a:p>
@@ -3546,7 +3534,7 @@
           <a:lstStyle/>
           <a:p>
             <a:pPr algn="ctr"/>
-            <a:endParaRPr lang="en-US" dirty="0">
+            <a:endParaRPr lang="en-US">
               <a:solidFill>
                 <a:schemeClr val="tx1">
                   <a:lumMod val="65000"/>
@@ -3590,7 +3578,7 @@
           <a:lstStyle/>
           <a:p>
             <a:r>
-              <a:rPr lang="en-US" dirty="0"/>
+              <a:rPr lang="en-US"/>
               <a:t>Click to edit Master title style</a:t>
             </a:r>
           </a:p>
@@ -3629,35 +3617,35 @@
           <a:p>
             <a:pPr lvl="0"/>
             <a:r>
-              <a:rPr lang="en-US" dirty="0"/>
+              <a:rPr lang="en-US"/>
               <a:t>Click to edit Master text styles</a:t>
             </a:r>
           </a:p>
           <a:p>
             <a:pPr lvl="1"/>
             <a:r>
-              <a:rPr lang="en-US" dirty="0"/>
+              <a:rPr lang="en-US"/>
               <a:t>Second level</a:t>
             </a:r>
           </a:p>
           <a:p>
             <a:pPr lvl="2"/>
             <a:r>
-              <a:rPr lang="en-US" dirty="0"/>
+              <a:rPr lang="en-US"/>
               <a:t>Third level</a:t>
             </a:r>
           </a:p>
           <a:p>
             <a:pPr lvl="3"/>
             <a:r>
-              <a:rPr lang="en-US" dirty="0"/>
+              <a:rPr lang="en-US"/>
               <a:t>Fourth level</a:t>
             </a:r>
           </a:p>
           <a:p>
             <a:pPr lvl="4"/>
             <a:r>
-              <a:rPr lang="en-US" dirty="0"/>
+              <a:rPr lang="en-US"/>
               <a:t>Fifth level</a:t>
             </a:r>
           </a:p>
@@ -3706,9 +3694,9 @@
             <a:fld id="{57E0CF6C-748E-4B7A-BC8B-3011EF78ED13}" type="datetime1">
               <a:rPr lang="en-US" smtClean="0"/>
               <a:pPr/>
-              <a:t>5/12/2022</a:t>
+              <a:t>5/13/2022</a:t>
             </a:fld>
-            <a:endParaRPr lang="en-US" dirty="0"/>
+            <a:endParaRPr lang="en-US"/>
           </a:p>
         </p:txBody>
       </p:sp>
@@ -3752,7 +3740,7 @@
             </a:lvl1pPr>
           </a:lstStyle>
           <a:p>
-            <a:endParaRPr lang="en-US" dirty="0">
+            <a:endParaRPr lang="en-US">
               <a:solidFill>
                 <a:schemeClr val="tx1">
                   <a:alpha val="60000"/>
@@ -3807,7 +3795,7 @@
               <a:pPr/>
               <a:t>‹#›</a:t>
             </a:fld>
-            <a:endParaRPr lang="en-US" dirty="0"/>
+            <a:endParaRPr lang="en-US"/>
           </a:p>
         </p:txBody>
       </p:sp>
@@ -4249,7 +4237,7 @@
           <a:lstStyle/>
           <a:p>
             <a:pPr algn="ctr"/>
-            <a:endParaRPr lang="en-US" dirty="0">
+            <a:endParaRPr lang="en-US">
               <a:solidFill>
                 <a:schemeClr val="tx1">
                   <a:lumMod val="65000"/>
@@ -4320,7 +4308,7 @@
           <a:lstStyle/>
           <a:p>
             <a:pPr algn="ctr"/>
-            <a:endParaRPr lang="en-US" dirty="0">
+            <a:endParaRPr lang="en-US">
               <a:solidFill>
                 <a:schemeClr val="tx1">
                   <a:lumMod val="65000"/>
@@ -4391,7 +4379,7 @@
               </a:lnSpc>
             </a:pPr>
             <a:r>
-              <a:rPr lang="en-GB" sz="5200" b="1" dirty="0">
+              <a:rPr lang="en-GB" sz="5200" b="1">
                 <a:solidFill>
                   <a:srgbClr val="FFFFFF"/>
                 </a:solidFill>
@@ -4401,7 +4389,7 @@
               <a:t>REAL ESTATE IN SEATTLE, WA</a:t>
             </a:r>
             <a:r>
-              <a:rPr lang="en-GB" sz="5200" b="1" dirty="0">
+              <a:rPr lang="en-GB" sz="5200" b="1">
                 <a:solidFill>
                   <a:srgbClr val="FFFFFF"/>
                 </a:solidFill>
@@ -4436,7 +4424,7 @@
           <a:p>
             <a:pPr algn="l"/>
             <a:r>
-              <a:rPr lang="en-GB" sz="2200" b="1" dirty="0">
+              <a:rPr lang="en-GB" sz="2200" b="1">
                 <a:solidFill>
                   <a:srgbClr val="FFFFFF"/>
                 </a:solidFill>
@@ -4517,8 +4505,12 @@
           </a:fontRef>
         </p:style>
         <p:txBody>
-          <a:bodyPr rtlCol="0" anchor="ctr"/>
-          <a:lstStyle/>
+          <a:bodyPr lIns="91440" tIns="45720" rIns="91440" bIns="45720" rtlCol="0" anchor="ctr"/>
+          <a:lstStyle/>
+          <a:p>
+            <a:pPr algn="ctr"/>
+            <a:endParaRPr lang="en-GB"/>
+          </a:p>
           <a:p>
             <a:pPr algn="ctr"/>
             <a:endParaRPr lang="en-GB"/>
@@ -4569,7 +4561,7 @@
         </p:nvSpPr>
         <p:spPr>
           <a:xfrm>
-            <a:off x="1033708" y="358121"/>
+            <a:off x="1033708" y="1120121"/>
             <a:ext cx="6403942" cy="523220"/>
           </a:xfrm>
           <a:prstGeom prst="rect">
@@ -4587,7 +4579,7 @@
           <a:lstStyle/>
           <a:p>
             <a:r>
-              <a:rPr lang="en-GB" sz="2800" b="1" dirty="0"/>
+              <a:rPr lang="en-GB" sz="2800" b="1"/>
               <a:t>THANK YOU FOR YOUR TIME</a:t>
             </a:r>
           </a:p>
@@ -4607,8 +4599,8 @@
         </p:nvSpPr>
         <p:spPr>
           <a:xfrm>
-            <a:off x="1035181" y="1380831"/>
-            <a:ext cx="7315199" cy="3231654"/>
+            <a:off x="1035181" y="2264751"/>
+            <a:ext cx="7315199" cy="3970318"/>
           </a:xfrm>
           <a:prstGeom prst="rect">
             <a:avLst/>
@@ -4625,40 +4617,66 @@
           <a:lstStyle/>
           <a:p>
             <a:r>
-              <a:rPr lang="en-GB" sz="2400" dirty="0">
+              <a:rPr lang="en-GB" sz="2400">
                 <a:ea typeface="+mn-lt"/>
                 <a:cs typeface="+mn-lt"/>
               </a:rPr>
-              <a:t>PLEASE LET US KNOW IF YOU HAVE ANY QUESTIONS. </a:t>
-            </a:r>
-          </a:p>
-          <a:p>
-            <a:endParaRPr lang="en-GB" sz="2400" dirty="0">
+              <a:t>PLEASE LET US KNOW IF YOU HAVE ANY QUESTIONS OR REVIEW THE INFORMATION ON </a:t>
+            </a:r>
+            <a:r>
+              <a:rPr lang="en-GB" sz="2400">
+                <a:ea typeface="+mn-lt"/>
+                <a:cs typeface="+mn-lt"/>
+                <a:hlinkClick r:id="rId3"/>
+              </a:rPr>
+              <a:t>GITHUB.</a:t>
+            </a:r>
+            <a:endParaRPr lang="en-GB" sz="2400">
               <a:ea typeface="+mn-lt"/>
               <a:cs typeface="+mn-lt"/>
             </a:endParaRPr>
           </a:p>
           <a:p>
-            <a:endParaRPr lang="en-GB" sz="2400" dirty="0"/>
-          </a:p>
-          <a:p>
-            <a:endParaRPr lang="en-GB" sz="2400" dirty="0"/>
+            <a:endParaRPr lang="en-GB" sz="2400">
+              <a:ea typeface="+mn-lt"/>
+              <a:cs typeface="+mn-lt"/>
+            </a:endParaRPr>
+          </a:p>
+          <a:p>
+            <a:r>
+              <a:rPr lang="en-GB" sz="2400"/>
+              <a:t>By Miguel </a:t>
+            </a:r>
+            <a:r>
+              <a:rPr lang="en-GB" sz="2400" err="1"/>
+              <a:t>Villoslada</a:t>
+            </a:r>
+            <a:r>
+              <a:rPr lang="en-GB" sz="2400"/>
+              <a:t> and Andrew Coupe</a:t>
+            </a:r>
+          </a:p>
+          <a:p>
+            <a:endParaRPr lang="en-GB" sz="2400"/>
+          </a:p>
+          <a:p>
+            <a:endParaRPr lang="en-GB" sz="2400"/>
           </a:p>
           <a:p>
             <a:pPr marL="285750" indent="-285750">
               <a:buFont typeface="Arial"/>
               <a:buChar char="•"/>
             </a:pPr>
-            <a:endParaRPr lang="en-GB" sz="2400" dirty="0"/>
-          </a:p>
-          <a:p>
-            <a:endParaRPr lang="en-GB" sz="2400" dirty="0"/>
+            <a:endParaRPr lang="en-GB" sz="2400"/>
+          </a:p>
+          <a:p>
+            <a:endParaRPr lang="en-GB" sz="2400"/>
           </a:p>
           <a:p>
             <a:br>
-              <a:rPr lang="en-US" dirty="0"/>
+              <a:rPr lang="en-US"/>
             </a:br>
-            <a:endParaRPr lang="en-US" dirty="0"/>
+            <a:endParaRPr lang="en-US"/>
           </a:p>
         </p:txBody>
       </p:sp>
@@ -4803,7 +4821,7 @@
           <a:lstStyle/>
           <a:p>
             <a:r>
-              <a:rPr lang="en-GB" sz="2800" b="1" dirty="0"/>
+              <a:rPr lang="en-GB" sz="2800" b="1"/>
               <a:t>DELIVERABLES  </a:t>
             </a:r>
           </a:p>
@@ -4841,7 +4859,7 @@
           <a:lstStyle/>
           <a:p>
             <a:r>
-              <a:rPr lang="en-GB" sz="2400" dirty="0">
+              <a:rPr lang="en-GB" sz="2400">
                 <a:ea typeface="+mn-lt"/>
                 <a:cs typeface="+mn-lt"/>
               </a:rPr>
@@ -4853,7 +4871,7 @@
               <a:buFont typeface="Arial"/>
               <a:buChar char="•"/>
             </a:pPr>
-            <a:endParaRPr lang="en-GB" sz="2400" dirty="0">
+            <a:endParaRPr lang="en-GB" sz="2400">
               <a:ea typeface="+mn-lt"/>
               <a:cs typeface="+mn-lt"/>
             </a:endParaRPr>
@@ -4864,7 +4882,7 @@
               <a:buChar char="•"/>
             </a:pPr>
             <a:r>
-              <a:rPr lang="en-GB" sz="2400" dirty="0">
+              <a:rPr lang="en-GB" sz="2400">
                 <a:ea typeface="+mn-lt"/>
                 <a:cs typeface="+mn-lt"/>
               </a:rPr>
@@ -4880,7 +4898,7 @@
               <a:buFont typeface="Arial"/>
               <a:buChar char="•"/>
             </a:pPr>
-            <a:endParaRPr lang="en-GB" sz="2400" dirty="0">
+            <a:endParaRPr lang="en-GB" sz="2400">
               <a:ea typeface="+mn-lt"/>
               <a:cs typeface="+mn-lt"/>
             </a:endParaRPr>
@@ -4891,7 +4909,7 @@
               <a:buChar char="•"/>
             </a:pPr>
             <a:r>
-              <a:rPr lang="en-GB" sz="2400" dirty="0">
+              <a:rPr lang="en-GB" sz="2400">
                 <a:ea typeface="+mn-lt"/>
                 <a:cs typeface="+mn-lt"/>
               </a:rPr>
@@ -4907,7 +4925,7 @@
               <a:buFont typeface="Arial"/>
               <a:buChar char="•"/>
             </a:pPr>
-            <a:endParaRPr lang="en-GB" sz="2400" dirty="0">
+            <a:endParaRPr lang="en-GB" sz="2400">
               <a:ea typeface="+mn-lt"/>
               <a:cs typeface="+mn-lt"/>
             </a:endParaRPr>
@@ -4918,7 +4936,7 @@
               <a:buChar char="•"/>
             </a:pPr>
             <a:r>
-              <a:rPr lang="en-GB" sz="2400" dirty="0">
+              <a:rPr lang="en-GB" sz="2400">
                 <a:ea typeface="+mn-lt"/>
                 <a:cs typeface="+mn-lt"/>
               </a:rPr>
@@ -4928,9 +4946,9 @@
           </a:p>
           <a:p>
             <a:br>
-              <a:rPr lang="en-US" dirty="0"/>
+              <a:rPr lang="en-US"/>
             </a:br>
-            <a:endParaRPr lang="en-US" dirty="0"/>
+            <a:endParaRPr lang="en-US"/>
           </a:p>
         </p:txBody>
       </p:sp>
@@ -5075,7 +5093,7 @@
           <a:lstStyle/>
           <a:p>
             <a:r>
-              <a:rPr lang="en-GB" sz="2800" b="1" dirty="0"/>
+              <a:rPr lang="en-GB" sz="2800" b="1"/>
               <a:t>PROCESSES </a:t>
             </a:r>
           </a:p>
@@ -5112,31 +5130,31 @@
           </a:bodyPr>
           <a:lstStyle/>
           <a:p>
-            <a:endParaRPr lang="en-US" dirty="0"/>
-          </a:p>
-          <a:p>
-            <a:r>
-              <a:rPr lang="en-US" b="1" u="sng" dirty="0"/>
+            <a:endParaRPr lang="en-US"/>
+          </a:p>
+          <a:p>
+            <a:r>
+              <a:rPr lang="en-US" b="1" u="sng"/>
               <a:t>Datasets</a:t>
             </a:r>
             <a:r>
-              <a:rPr lang="en-US" dirty="0"/>
+              <a:rPr lang="en-US"/>
               <a:t>                                       </a:t>
             </a:r>
             <a:r>
-              <a:rPr lang="en-US" b="1" u="sng" dirty="0"/>
+              <a:rPr lang="en-US" b="1" u="sng"/>
               <a:t>Results</a:t>
             </a:r>
             <a:r>
-              <a:rPr lang="en-US" dirty="0"/>
+              <a:rPr lang="en-US"/>
               <a:t>                                                     </a:t>
             </a:r>
             <a:r>
-              <a:rPr lang="en-US" b="1" u="sng" dirty="0"/>
+              <a:rPr lang="en-US" b="1" u="sng"/>
               <a:t>Available at</a:t>
             </a:r>
             <a:br>
-              <a:rPr lang="en-US" dirty="0"/>
+              <a:rPr lang="en-US"/>
             </a:br>
             <a:endParaRPr lang="en-US"/>
           </a:p>
@@ -5493,7 +5511,7 @@
               </a:rPr>
               <a:t>Get familiar with the data </a:t>
             </a:r>
-            <a:endParaRPr lang="en-GB" dirty="0">
+            <a:endParaRPr lang="en-GB">
               <a:ea typeface="+mn-lt"/>
               <a:cs typeface="+mn-lt"/>
             </a:endParaRPr>
@@ -5562,7 +5580,7 @@
           <a:lstStyle/>
           <a:p>
             <a:r>
-              <a:rPr lang="en-GB" sz="2800" b="1" dirty="0"/>
+              <a:rPr lang="en-GB" sz="2800" b="1"/>
               <a:t>  </a:t>
             </a:r>
           </a:p>
@@ -5599,7 +5617,7 @@
           </a:bodyPr>
           <a:lstStyle/>
           <a:p>
-            <a:endParaRPr lang="en-GB" sz="2800" dirty="0">
+            <a:endParaRPr lang="en-GB" sz="2800">
               <a:ea typeface="+mn-lt"/>
               <a:cs typeface="+mn-lt"/>
             </a:endParaRPr>
@@ -5610,7 +5628,7 @@
               <a:buChar char="Ø"/>
             </a:pPr>
             <a:r>
-              <a:rPr lang="en-GB" sz="2800" dirty="0">
+              <a:rPr lang="en-GB" sz="2800">
                 <a:ea typeface="+mn-lt"/>
                 <a:cs typeface="+mn-lt"/>
               </a:rPr>
@@ -5622,7 +5640,7 @@
               <a:buFont typeface="Wingdings"/>
               <a:buChar char="Ø"/>
             </a:pPr>
-            <a:endParaRPr lang="en-GB" sz="2800" dirty="0">
+            <a:endParaRPr lang="en-GB" sz="2800">
               <a:ea typeface="+mn-lt"/>
               <a:cs typeface="+mn-lt"/>
             </a:endParaRPr>
@@ -5633,7 +5651,7 @@
               <a:buChar char="Ø"/>
             </a:pPr>
             <a:r>
-              <a:rPr lang="en-GB" sz="2800" dirty="0">
+              <a:rPr lang="en-GB" sz="2800">
                 <a:ea typeface="+mn-lt"/>
                 <a:cs typeface="+mn-lt"/>
               </a:rPr>
@@ -5645,7 +5663,7 @@
               <a:buFont typeface="Wingdings"/>
               <a:buChar char="Ø"/>
             </a:pPr>
-            <a:endParaRPr lang="en-GB" sz="2800" dirty="0">
+            <a:endParaRPr lang="en-GB" sz="2800">
               <a:ea typeface="+mn-lt"/>
               <a:cs typeface="+mn-lt"/>
             </a:endParaRPr>
@@ -5656,20 +5674,20 @@
               <a:buChar char="Ø"/>
             </a:pPr>
             <a:r>
-              <a:rPr lang="en-GB" sz="2800" dirty="0">
+              <a:rPr lang="en-GB" sz="2800">
                 <a:ea typeface="+mn-lt"/>
                 <a:cs typeface="+mn-lt"/>
               </a:rPr>
               <a:t>EDA </a:t>
             </a:r>
-            <a:endParaRPr lang="en-GB" sz="2800" dirty="0"/>
+            <a:endParaRPr lang="en-GB" sz="2800"/>
           </a:p>
           <a:p>
             <a:pPr marL="342900" indent="-342900">
               <a:buFont typeface="Wingdings"/>
               <a:buChar char="Ø"/>
             </a:pPr>
-            <a:endParaRPr lang="en-GB" sz="2800" dirty="0"/>
+            <a:endParaRPr lang="en-GB" sz="2800"/>
           </a:p>
           <a:p>
             <a:pPr marL="342900" indent="-342900">
@@ -5677,7 +5695,7 @@
               <a:buChar char="Ø"/>
             </a:pPr>
             <a:r>
-              <a:rPr lang="en-GB" sz="2800" dirty="0"/>
+              <a:rPr lang="en-GB" sz="2800"/>
               <a:t>Data Wrangling </a:t>
             </a:r>
           </a:p>
@@ -5686,7 +5704,7 @@
               <a:buFont typeface="Wingdings"/>
               <a:buChar char="Ø"/>
             </a:pPr>
-            <a:endParaRPr lang="en-GB" sz="2800" dirty="0"/>
+            <a:endParaRPr lang="en-GB" sz="2800"/>
           </a:p>
           <a:p>
             <a:pPr marL="342900" indent="-342900">
@@ -5694,15 +5712,15 @@
               <a:buChar char="Ø"/>
             </a:pPr>
             <a:r>
-              <a:rPr lang="en-GB" sz="2800" dirty="0"/>
+              <a:rPr lang="en-GB" sz="2800"/>
               <a:t>Model</a:t>
             </a:r>
           </a:p>
           <a:p>
             <a:br>
-              <a:rPr lang="en-US" dirty="0"/>
+              <a:rPr lang="en-US"/>
             </a:br>
-            <a:endParaRPr lang="en-US" dirty="0"/>
+            <a:endParaRPr lang="en-US"/>
           </a:p>
         </p:txBody>
       </p:sp>
@@ -5738,7 +5756,7 @@
           <a:lstStyle/>
           <a:p>
             <a:r>
-              <a:rPr lang="en-GB" dirty="0"/>
+              <a:rPr lang="en-GB"/>
               <a:t>Get familiar with the data </a:t>
             </a:r>
           </a:p>
@@ -5776,7 +5794,7 @@
           <a:lstStyle/>
           <a:p>
             <a:r>
-              <a:rPr lang="en-GB" dirty="0"/>
+              <a:rPr lang="en-GB"/>
               <a:t>Removal of nulls, errors and duplicates </a:t>
             </a:r>
           </a:p>
@@ -5814,12 +5832,12 @@
           <a:lstStyle/>
           <a:p>
             <a:r>
-              <a:rPr lang="en-GB" dirty="0">
+              <a:rPr lang="en-GB">
                 <a:latin typeface="Avenir Next LT Pro"/>
               </a:rPr>
               <a:t>Plots and visualisation </a:t>
             </a:r>
-            <a:endParaRPr lang="en-GB" dirty="0"/>
+            <a:endParaRPr lang="en-GB"/>
           </a:p>
         </p:txBody>
       </p:sp>
@@ -5855,12 +5873,12 @@
           <a:lstStyle/>
           <a:p>
             <a:r>
-              <a:rPr lang="en-GB" dirty="0">
+              <a:rPr lang="en-GB">
                 <a:latin typeface="Avenir Next LT Pro"/>
               </a:rPr>
               <a:t>Normaliser and Scaler</a:t>
             </a:r>
-            <a:endParaRPr lang="en-GB" dirty="0"/>
+            <a:endParaRPr lang="en-GB"/>
           </a:p>
         </p:txBody>
       </p:sp>
@@ -5896,14 +5914,14 @@
           <a:lstStyle/>
           <a:p>
             <a:r>
-              <a:rPr lang="en-GB" dirty="0"/>
+              <a:rPr lang="en-GB"/>
               <a:t>Linear Regression</a:t>
             </a:r>
-            <a:endParaRPr lang="en-US" dirty="0"/>
-          </a:p>
-          <a:p>
-            <a:r>
-              <a:rPr lang="en-GB" dirty="0"/>
+            <a:endParaRPr lang="en-US"/>
+          </a:p>
+          <a:p>
+            <a:r>
+              <a:rPr lang="en-GB"/>
               <a:t>KNN</a:t>
             </a:r>
           </a:p>
@@ -6225,8 +6243,8 @@
           <a:lstStyle/>
           <a:p>
             <a:r>
-              <a:rPr lang="en-GB" sz="2800" b="1" dirty="0"/>
-              <a:t>  </a:t>
+              <a:rPr lang="en-GB" sz="2800" b="1"/>
+              <a:t>  INSIGHTS</a:t>
             </a:r>
           </a:p>
         </p:txBody>
@@ -6253,8 +6271,8 @@
         </p:blipFill>
         <p:spPr>
           <a:xfrm>
-            <a:off x="96982" y="1083425"/>
-            <a:ext cx="5999017" cy="4206240"/>
+            <a:off x="7214062" y="1814945"/>
+            <a:ext cx="4977937" cy="3482340"/>
           </a:xfrm>
           <a:prstGeom prst="rect">
             <a:avLst/>
@@ -6283,8 +6301,8 @@
         </p:blipFill>
         <p:spPr>
           <a:xfrm>
-            <a:off x="6026727" y="1084857"/>
-            <a:ext cx="6165272" cy="4147960"/>
+            <a:off x="144087" y="886737"/>
+            <a:ext cx="7072052" cy="4765180"/>
           </a:xfrm>
           <a:prstGeom prst="rect">
             <a:avLst/>
@@ -6323,15 +6341,131 @@
           <a:lstStyle/>
           <a:p>
             <a:r>
-              <a:rPr lang="en-GB" dirty="0"/>
+              <a:rPr lang="en-GB"/>
               <a:t>Available at </a:t>
             </a:r>
             <a:r>
-              <a:rPr lang="en-GB" dirty="0">
+              <a:rPr lang="en-GB">
                 <a:hlinkClick r:id="rId5"/>
               </a:rPr>
               <a:t>Tableau</a:t>
             </a:r>
+            <a:endParaRPr lang="en-GB"/>
+          </a:p>
+        </p:txBody>
+      </p:sp>
+      <p:pic>
+        <p:nvPicPr>
+          <p:cNvPr id="8" name="Picture 8" descr="Map&#10;&#10;Description automatically generated">
+            <a:extLst>
+              <a:ext uri="{FF2B5EF4-FFF2-40B4-BE49-F238E27FC236}">
+                <a16:creationId xmlns:a16="http://schemas.microsoft.com/office/drawing/2014/main" id="{2FB43A26-A650-55DE-CB57-BE6C7916AE45}"/>
+              </a:ext>
+            </a:extLst>
+          </p:cNvPr>
+          <p:cNvPicPr>
+            <a:picLocks noChangeAspect="1"/>
+          </p:cNvPicPr>
+          <p:nvPr/>
+        </p:nvPicPr>
+        <p:blipFill>
+          <a:blip r:embed="rId6"/>
+          <a:stretch>
+            <a:fillRect/>
+          </a:stretch>
+        </p:blipFill>
+        <p:spPr>
+          <a:xfrm>
+            <a:off x="4625340" y="3383716"/>
+            <a:ext cx="2545080" cy="2201307"/>
+          </a:xfrm>
+          <a:prstGeom prst="rect">
+            <a:avLst/>
+          </a:prstGeom>
+          <a:ln w="38100" cap="sq">
+            <a:solidFill>
+              <a:srgbClr val="000000"/>
+            </a:solidFill>
+            <a:prstDash val="solid"/>
+            <a:miter lim="800000"/>
+          </a:ln>
+          <a:effectLst>
+            <a:outerShdw blurRad="50800" dist="38100" dir="2700000" algn="tl" rotWithShape="0">
+              <a:srgbClr val="000000">
+                <a:alpha val="43000"/>
+              </a:srgbClr>
+            </a:outerShdw>
+          </a:effectLst>
+        </p:spPr>
+      </p:pic>
+      <p:sp>
+        <p:nvSpPr>
+          <p:cNvPr id="9" name="TextBox 8">
+            <a:extLst>
+              <a:ext uri="{FF2B5EF4-FFF2-40B4-BE49-F238E27FC236}">
+                <a16:creationId xmlns:a16="http://schemas.microsoft.com/office/drawing/2014/main" id="{DB9B8390-54E1-AC70-026B-443C7C288340}"/>
+              </a:ext>
+            </a:extLst>
+          </p:cNvPr>
+          <p:cNvSpPr txBox="1"/>
+          <p:nvPr/>
+        </p:nvSpPr>
+        <p:spPr>
+          <a:xfrm>
+            <a:off x="4724400" y="3200400"/>
+            <a:ext cx="2743200" cy="369332"/>
+          </a:xfrm>
+          <a:prstGeom prst="rect">
+            <a:avLst/>
+          </a:prstGeom>
+          <a:noFill/>
+        </p:spPr>
+        <p:txBody>
+          <a:bodyPr rot="0" spcFirstLastPara="0" vertOverflow="overflow" horzOverflow="overflow" vert="horz" wrap="square" lIns="91440" tIns="45720" rIns="91440" bIns="45720" numCol="1" spcCol="0" rtlCol="0" fromWordArt="0" anchor="t" anchorCtr="0" forceAA="0" compatLnSpc="1">
+            <a:prstTxWarp prst="textNoShape">
+              <a:avLst/>
+            </a:prstTxWarp>
+            <a:spAutoFit/>
+          </a:bodyPr>
+          <a:lstStyle/>
+          <a:p>
+            <a:pPr algn="l"/>
+            <a:endParaRPr lang="en-GB"/>
+          </a:p>
+        </p:txBody>
+      </p:sp>
+      <p:sp>
+        <p:nvSpPr>
+          <p:cNvPr id="10" name="TextBox 9">
+            <a:extLst>
+              <a:ext uri="{FF2B5EF4-FFF2-40B4-BE49-F238E27FC236}">
+                <a16:creationId xmlns:a16="http://schemas.microsoft.com/office/drawing/2014/main" id="{09E392BA-D8BB-51B3-47EA-8AE9A291406B}"/>
+              </a:ext>
+            </a:extLst>
+          </p:cNvPr>
+          <p:cNvSpPr txBox="1"/>
+          <p:nvPr/>
+        </p:nvSpPr>
+        <p:spPr>
+          <a:xfrm>
+            <a:off x="4806315" y="4128135"/>
+            <a:ext cx="2743200" cy="369332"/>
+          </a:xfrm>
+          <a:prstGeom prst="rect">
+            <a:avLst/>
+          </a:prstGeom>
+          <a:noFill/>
+        </p:spPr>
+        <p:txBody>
+          <a:bodyPr rot="0" spcFirstLastPara="0" vertOverflow="overflow" horzOverflow="overflow" vert="horz" wrap="square" lIns="91440" tIns="45720" rIns="91440" bIns="45720" numCol="1" spcCol="0" rtlCol="0" fromWordArt="0" anchor="t" anchorCtr="0" forceAA="0" compatLnSpc="1">
+            <a:prstTxWarp prst="textNoShape">
+              <a:avLst/>
+            </a:prstTxWarp>
+            <a:spAutoFit/>
+          </a:bodyPr>
+          <a:lstStyle/>
+          <a:p>
+            <a:pPr algn="l"/>
             <a:endParaRPr lang="en-GB"/>
           </a:p>
         </p:txBody>
@@ -6542,11 +6676,11 @@
           <a:lstStyle/>
           <a:p>
             <a:r>
-              <a:rPr lang="en-GB" dirty="0"/>
+              <a:rPr lang="en-GB"/>
               <a:t>Available at </a:t>
             </a:r>
             <a:r>
-              <a:rPr lang="en-GB" dirty="0">
+              <a:rPr lang="en-GB">
                 <a:hlinkClick r:id="rId4"/>
               </a:rPr>
               <a:t>Tableau</a:t>
@@ -6821,11 +6955,11 @@
           <a:lstStyle/>
           <a:p>
             <a:r>
-              <a:rPr lang="en-GB" dirty="0"/>
+              <a:rPr lang="en-GB"/>
               <a:t>Available at </a:t>
             </a:r>
             <a:r>
-              <a:rPr lang="en-GB" dirty="0">
+              <a:rPr lang="en-GB">
                 <a:hlinkClick r:id="rId5"/>
               </a:rPr>
               <a:t>Tableau</a:t>
@@ -6974,7 +7108,7 @@
           </a:bodyPr>
           <a:lstStyle/>
           <a:p>
-            <a:endParaRPr lang="en-GB" sz="2800" b="1" dirty="0"/>
+            <a:endParaRPr lang="en-GB" sz="2800" b="1"/>
           </a:p>
         </p:txBody>
       </p:sp>
@@ -7040,11 +7174,11 @@
           <a:lstStyle/>
           <a:p>
             <a:r>
-              <a:rPr lang="en-GB" dirty="0"/>
+              <a:rPr lang="en-GB"/>
               <a:t>Available at </a:t>
             </a:r>
             <a:r>
-              <a:rPr lang="en-GB" dirty="0">
+              <a:rPr lang="en-GB">
                 <a:hlinkClick r:id="rId4"/>
               </a:rPr>
               <a:t>Tableau</a:t>
@@ -7053,6 +7187,36 @@
           </a:p>
         </p:txBody>
       </p:sp>
+      <p:pic>
+        <p:nvPicPr>
+          <p:cNvPr id="7" name="Picture 7">
+            <a:extLst>
+              <a:ext uri="{FF2B5EF4-FFF2-40B4-BE49-F238E27FC236}">
+                <a16:creationId xmlns:a16="http://schemas.microsoft.com/office/drawing/2014/main" id="{CBA27133-972E-3328-EA5A-E59733B2911E}"/>
+              </a:ext>
+            </a:extLst>
+          </p:cNvPr>
+          <p:cNvPicPr>
+            <a:picLocks noChangeAspect="1"/>
+          </p:cNvPicPr>
+          <p:nvPr/>
+        </p:nvPicPr>
+        <p:blipFill>
+          <a:blip r:embed="rId5"/>
+          <a:stretch>
+            <a:fillRect/>
+          </a:stretch>
+        </p:blipFill>
+        <p:spPr>
+          <a:xfrm>
+            <a:off x="8084820" y="1667828"/>
+            <a:ext cx="1181100" cy="687705"/>
+          </a:xfrm>
+          <a:prstGeom prst="rect">
+            <a:avLst/>
+          </a:prstGeom>
+        </p:spPr>
+      </p:pic>
     </p:spTree>
     <p:extLst>
       <p:ext uri="{BB962C8B-B14F-4D97-AF65-F5344CB8AC3E}">
@@ -7194,7 +7358,7 @@
           <a:lstStyle/>
           <a:p>
             <a:r>
-              <a:rPr lang="en-GB" sz="2800" b="1" dirty="0"/>
+              <a:rPr lang="en-GB" sz="2800" b="1"/>
               <a:t>CONCLUSIONS </a:t>
             </a:r>
           </a:p>
@@ -7214,8 +7378,8 @@
         </p:nvSpPr>
         <p:spPr>
           <a:xfrm>
-            <a:off x="884041" y="357906"/>
-            <a:ext cx="4323876" cy="7017306"/>
+            <a:off x="1388305" y="878980"/>
+            <a:ext cx="4267847" cy="7294305"/>
           </a:xfrm>
           <a:prstGeom prst="rect">
             <a:avLst/>
@@ -7231,7 +7395,7 @@
           </a:bodyPr>
           <a:lstStyle/>
           <a:p>
-            <a:endParaRPr lang="en-GB" dirty="0">
+            <a:endParaRPr lang="en-GB">
               <a:ea typeface="+mn-lt"/>
               <a:cs typeface="+mn-lt"/>
             </a:endParaRPr>
@@ -7241,7 +7405,7 @@
               <a:buFont typeface="Arial"/>
               <a:buChar char="•"/>
             </a:pPr>
-            <a:endParaRPr lang="en-GB" dirty="0">
+            <a:endParaRPr lang="en-GB">
               <a:ea typeface="+mn-lt"/>
               <a:cs typeface="+mn-lt"/>
             </a:endParaRPr>
@@ -7252,21 +7416,21 @@
               <a:buChar char="•"/>
             </a:pPr>
             <a:r>
-              <a:rPr lang="en-GB" dirty="0">
+              <a:rPr lang="en-GB">
                 <a:ea typeface="+mn-lt"/>
                 <a:cs typeface="+mn-lt"/>
               </a:rPr>
               <a:t>Our KNN model was the most accurate prediction model with R</a:t>
             </a:r>
             <a:r>
-              <a:rPr lang="en-GB" b="1" dirty="0">
+              <a:rPr lang="en-GB" b="1">
                 <a:ea typeface="+mn-lt"/>
                 <a:cs typeface="+mn-lt"/>
               </a:rPr>
               <a:t>²</a:t>
             </a:r>
             <a:r>
-              <a:rPr lang="en-GB" dirty="0">
+              <a:rPr lang="en-GB">
                 <a:ea typeface="+mn-lt"/>
                 <a:cs typeface="+mn-lt"/>
               </a:rPr>
@@ -7278,7 +7442,7 @@
               <a:buFont typeface="Arial"/>
               <a:buChar char="•"/>
             </a:pPr>
-            <a:endParaRPr lang="en-GB" dirty="0">
+            <a:endParaRPr lang="en-GB">
               <a:ea typeface="+mn-lt"/>
               <a:cs typeface="+mn-lt"/>
             </a:endParaRPr>
@@ -7289,7 +7453,7 @@
               <a:buChar char="•"/>
             </a:pPr>
             <a:r>
-              <a:rPr lang="en-GB" dirty="0">
+              <a:rPr lang="en-GB">
                 <a:ea typeface="+mn-lt"/>
                 <a:cs typeface="+mn-lt"/>
               </a:rPr>
@@ -7301,7 +7465,7 @@
               <a:buFont typeface="Arial"/>
               <a:buChar char="•"/>
             </a:pPr>
-            <a:endParaRPr lang="en-GB" dirty="0">
+            <a:endParaRPr lang="en-GB">
               <a:ea typeface="+mn-lt"/>
               <a:cs typeface="+mn-lt"/>
             </a:endParaRPr>
@@ -7312,44 +7476,9 @@
               <a:buChar char="•"/>
             </a:pPr>
             <a:r>
-              <a:rPr lang="en-GB" dirty="0"/>
+              <a:rPr lang="en-GB"/>
               <a:t>Waterfront view houses consisted of 1% of the dataset and therefore were a lot more expensive on average than those without a view.</a:t>
             </a:r>
-          </a:p>
-          <a:p>
-            <a:pPr marL="285750" indent="-285750">
-              <a:buFont typeface="Arial"/>
-              <a:buChar char="•"/>
-            </a:pPr>
-            <a:endParaRPr lang="en-GB" dirty="0"/>
-          </a:p>
-          <a:p>
-            <a:pPr marL="285750" indent="-285750">
-              <a:buFont typeface="Arial,Sans-Serif"/>
-              <a:buChar char="•"/>
-            </a:pPr>
-            <a:r>
-              <a:rPr lang="en-GB" dirty="0">
-                <a:ea typeface="+mn-lt"/>
-                <a:cs typeface="+mn-lt"/>
-              </a:rPr>
-              <a:t>Most popular houses were three and four bedrooms with 77% of the properties falling into that category. </a:t>
-            </a:r>
-            <a:endParaRPr lang="en-GB" dirty="0"/>
-          </a:p>
-          <a:p>
-            <a:pPr marL="285750" indent="-285750">
-              <a:buFont typeface="Arial"/>
-              <a:buChar char="•"/>
-            </a:pPr>
-            <a:endParaRPr lang="en-GB" dirty="0"/>
-          </a:p>
-          <a:p>
-            <a:pPr marL="285750" indent="-285750">
-              <a:buFont typeface="Arial"/>
-              <a:buChar char="•"/>
-            </a:pPr>
-            <a:endParaRPr lang="en-GB" dirty="0"/>
           </a:p>
           <a:p>
             <a:pPr marL="285750" indent="-285750">
@@ -7360,16 +7489,51 @@
           </a:p>
           <a:p>
             <a:pPr marL="285750" indent="-285750">
+              <a:buFont typeface="Arial,Sans-Serif"/>
+              <a:buChar char="•"/>
+            </a:pPr>
+            <a:r>
+              <a:rPr lang="en-GB">
+                <a:ea typeface="+mn-lt"/>
+                <a:cs typeface="+mn-lt"/>
+              </a:rPr>
+              <a:t>Most popular houses were three and four bedrooms with 77% of the properties falling into that category. </a:t>
+            </a:r>
+            <a:endParaRPr lang="en-GB"/>
+          </a:p>
+          <a:p>
+            <a:pPr marL="285750" indent="-285750">
               <a:buFont typeface="Arial"/>
               <a:buChar char="•"/>
             </a:pPr>
-            <a:endParaRPr lang="en-GB" dirty="0"/>
+            <a:endParaRPr lang="en-GB"/>
+          </a:p>
+          <a:p>
+            <a:pPr marL="285750" indent="-285750">
+              <a:buFont typeface="Arial"/>
+              <a:buChar char="•"/>
+            </a:pPr>
+            <a:endParaRPr lang="en-GB"/>
+          </a:p>
+          <a:p>
+            <a:pPr marL="285750" indent="-285750">
+              <a:buFont typeface="Arial"/>
+              <a:buChar char="•"/>
+            </a:pPr>
+            <a:endParaRPr lang="en-GB"/>
+          </a:p>
+          <a:p>
+            <a:pPr marL="285750" indent="-285750">
+              <a:buFont typeface="Arial"/>
+              <a:buChar char="•"/>
+            </a:pPr>
+            <a:endParaRPr lang="en-GB"/>
           </a:p>
           <a:p>
             <a:br>
-              <a:rPr lang="en-US" dirty="0"/>
+              <a:rPr lang="en-US"/>
             </a:br>
-            <a:endParaRPr lang="en-US" dirty="0"/>
+            <a:endParaRPr lang="en-US"/>
           </a:p>
         </p:txBody>
       </p:sp>
@@ -7387,8 +7551,8 @@
         </p:nvSpPr>
         <p:spPr>
           <a:xfrm>
-            <a:off x="7722020" y="1115921"/>
-            <a:ext cx="2743200" cy="2585323"/>
+            <a:off x="6270859" y="1384861"/>
+            <a:ext cx="4379258" cy="2031325"/>
           </a:xfrm>
           <a:prstGeom prst="rect">
             <a:avLst/>
@@ -7405,7 +7569,7 @@
           <a:lstStyle/>
           <a:p>
             <a:r>
-              <a:rPr lang="en-GB" dirty="0">
+              <a:rPr lang="en-GB">
                 <a:ea typeface="+mn-lt"/>
                 <a:cs typeface="+mn-lt"/>
               </a:rPr>
@@ -7418,13 +7582,13 @@
               <a:buChar char="•"/>
             </a:pPr>
             <a:r>
-              <a:rPr lang="en-GB" dirty="0">
+              <a:rPr lang="en-GB">
                 <a:ea typeface="+mn-lt"/>
                 <a:cs typeface="+mn-lt"/>
               </a:rPr>
-              <a:t> Bedrooms 4  </a:t>
-            </a:r>
-            <a:endParaRPr lang="en-GB" dirty="0"/>
+              <a:t> Bedrooms 4  </a:t>
+            </a:r>
+            <a:endParaRPr lang="en-GB"/>
           </a:p>
           <a:p>
             <a:pPr marL="285750" indent="-285750">
@@ -7432,13 +7596,13 @@
               <a:buChar char="•"/>
             </a:pPr>
             <a:r>
-              <a:rPr lang="en-GB" dirty="0">
+              <a:rPr lang="en-GB">
                 <a:ea typeface="+mn-lt"/>
                 <a:cs typeface="+mn-lt"/>
               </a:rPr>
-              <a:t> Bathrooms 2.5</a:t>
-            </a:r>
-            <a:endParaRPr lang="en-GB" dirty="0"/>
+              <a:t> Bathrooms 2.5</a:t>
+            </a:r>
+            <a:endParaRPr lang="en-GB"/>
           </a:p>
           <a:p>
             <a:pPr marL="285750" indent="-285750">
@@ -7446,13 +7610,13 @@
               <a:buChar char="•"/>
             </a:pPr>
             <a:r>
-              <a:rPr lang="en-GB" dirty="0">
+              <a:rPr lang="en-GB">
                 <a:ea typeface="+mn-lt"/>
                 <a:cs typeface="+mn-lt"/>
               </a:rPr>
               <a:t> Sq. ft Living 2,440</a:t>
             </a:r>
-            <a:endParaRPr lang="en-GB" dirty="0"/>
+            <a:endParaRPr lang="en-GB"/>
           </a:p>
           <a:p>
             <a:pPr marL="285750" indent="-285750">
@@ -7460,13 +7624,13 @@
               <a:buChar char="•"/>
             </a:pPr>
             <a:r>
-              <a:rPr lang="en-GB" dirty="0">
+              <a:rPr lang="en-GB">
                 <a:ea typeface="+mn-lt"/>
                 <a:cs typeface="+mn-lt"/>
               </a:rPr>
-              <a:t> Condition 3</a:t>
-            </a:r>
-            <a:endParaRPr lang="en-GB" dirty="0"/>
+              <a:t> Condition 3</a:t>
+            </a:r>
+            <a:endParaRPr lang="en-GB"/>
           </a:p>
           <a:p>
             <a:pPr marL="285750" indent="-285750">
@@ -7474,61 +7638,13 @@
               <a:buChar char="•"/>
             </a:pPr>
             <a:r>
-              <a:rPr lang="en-GB" dirty="0">
+              <a:rPr lang="en-GB">
                 <a:ea typeface="+mn-lt"/>
                 <a:cs typeface="+mn-lt"/>
               </a:rPr>
               <a:t> Grade 9</a:t>
             </a:r>
-          </a:p>
-          <a:p>
-            <a:pPr marL="285750" indent="-285750">
-              <a:buFont typeface="Arial"/>
-              <a:buChar char="•"/>
-            </a:pPr>
-            <a:r>
-              <a:rPr lang="en-GB" dirty="0">
-                <a:ea typeface="+mn-lt"/>
-                <a:cs typeface="+mn-lt"/>
-              </a:rPr>
-              <a:t> Year Built 2014 </a:t>
-            </a:r>
-            <a:endParaRPr lang="en-GB" dirty="0"/>
-          </a:p>
-        </p:txBody>
-      </p:sp>
-      <p:sp>
-        <p:nvSpPr>
-          <p:cNvPr id="7" name="TextBox 6">
-            <a:extLst>
-              <a:ext uri="{FF2B5EF4-FFF2-40B4-BE49-F238E27FC236}">
-                <a16:creationId xmlns:a16="http://schemas.microsoft.com/office/drawing/2014/main" id="{9BD6EE5A-FAB9-49C8-EC04-47AF9D910C6E}"/>
-              </a:ext>
-            </a:extLst>
-          </p:cNvPr>
-          <p:cNvSpPr txBox="1"/>
-          <p:nvPr/>
-        </p:nvSpPr>
-        <p:spPr>
-          <a:xfrm>
-            <a:off x="4724400" y="3200400"/>
-            <a:ext cx="2743200" cy="369332"/>
-          </a:xfrm>
-          <a:prstGeom prst="rect">
-            <a:avLst/>
-          </a:prstGeom>
-          <a:noFill/>
-        </p:spPr>
-        <p:txBody>
-          <a:bodyPr rot="0" spcFirstLastPara="0" vertOverflow="overflow" horzOverflow="overflow" vert="horz" wrap="square" lIns="91440" tIns="45720" rIns="91440" bIns="45720" numCol="1" spcCol="0" rtlCol="0" fromWordArt="0" anchor="t" anchorCtr="0" forceAA="0" compatLnSpc="1">
-            <a:prstTxWarp prst="textNoShape">
-              <a:avLst/>
-            </a:prstTxWarp>
-            <a:spAutoFit/>
-          </a:bodyPr>
-          <a:lstStyle/>
-          <a:p>
-            <a:endParaRPr lang="en-GB" dirty="0"/>
+            <a:endParaRPr lang="en-GB"/>
           </a:p>
         </p:txBody>
       </p:sp>
